--- a/docs/fmcw_signal_flow.pptx
+++ b/docs/fmcw_signal_flow.pptx
@@ -5,7 +5,7 @@
     <p:sldMasterId id="2147483648" r:id="rId1"/>
   </p:sldMasterIdLst>
   <p:notesMasterIdLst>
-    <p:notesMasterId r:id="rId17"/>
+    <p:notesMasterId r:id="rId18"/>
   </p:notesMasterIdLst>
   <p:sldIdLst>
     <p:sldId id="256" r:id="rId2"/>
@@ -16,13 +16,14 @@
     <p:sldId id="263" r:id="rId7"/>
     <p:sldId id="268" r:id="rId8"/>
     <p:sldId id="269" r:id="rId9"/>
-    <p:sldId id="270" r:id="rId10"/>
-    <p:sldId id="258" r:id="rId11"/>
-    <p:sldId id="259" r:id="rId12"/>
-    <p:sldId id="260" r:id="rId13"/>
-    <p:sldId id="261" r:id="rId14"/>
-    <p:sldId id="257" r:id="rId15"/>
-    <p:sldId id="265" r:id="rId16"/>
+    <p:sldId id="271" r:id="rId10"/>
+    <p:sldId id="270" r:id="rId11"/>
+    <p:sldId id="258" r:id="rId12"/>
+    <p:sldId id="259" r:id="rId13"/>
+    <p:sldId id="260" r:id="rId14"/>
+    <p:sldId id="261" r:id="rId15"/>
+    <p:sldId id="257" r:id="rId16"/>
+    <p:sldId id="265" r:id="rId17"/>
   </p:sldIdLst>
   <p:sldSz cx="12192000" cy="6858000"/>
   <p:notesSz cx="6858000" cy="9144000"/>
@@ -121,6 +122,11 @@
       </a:defRPr>
     </a:lvl9pPr>
   </p:defaultTextStyle>
+  <p:extLst>
+    <p:ext uri="{EFAFB233-063F-42B5-8137-9DF3F51BA10A}">
+      <p15:sldGuideLst xmlns:p15="http://schemas.microsoft.com/office/powerpoint/2012/main"/>
+    </p:ext>
+  </p:extLst>
 </p:presentation>
 </file>
 
@@ -206,7 +212,7 @@
           <a:p>
             <a:fld id="{8D7C5BED-D2C8-4649-A543-DA9B6F2DC68D}" type="datetimeFigureOut">
               <a:rPr lang="en-US" smtClean="0"/>
-              <a:t>3/19/25</a:t>
+              <a:t>3/22/2025</a:t>
             </a:fld>
             <a:endParaRPr lang="en-US"/>
           </a:p>
@@ -539,7 +545,7 @@
           <a:p>
             <a:fld id="{3C34C6CB-CB48-2345-A729-A0677DBB941C}" type="slidenum">
               <a:rPr lang="en-US" smtClean="0"/>
-              <a:t>10</a:t>
+              <a:t>11</a:t>
             </a:fld>
             <a:endParaRPr lang="en-US"/>
           </a:p>
@@ -707,7 +713,7 @@
           <a:p>
             <a:fld id="{E3FA124C-9E08-1B4F-B180-07F1CF6931DC}" type="datetimeFigureOut">
               <a:rPr lang="en-US" smtClean="0"/>
-              <a:t>3/16/25</a:t>
+              <a:t>3/22/2025</a:t>
             </a:fld>
             <a:endParaRPr lang="en-US"/>
           </a:p>
@@ -907,7 +913,7 @@
           <a:p>
             <a:fld id="{E3FA124C-9E08-1B4F-B180-07F1CF6931DC}" type="datetimeFigureOut">
               <a:rPr lang="en-US" smtClean="0"/>
-              <a:t>3/16/25</a:t>
+              <a:t>3/22/2025</a:t>
             </a:fld>
             <a:endParaRPr lang="en-US"/>
           </a:p>
@@ -1117,7 +1123,7 @@
           <a:p>
             <a:fld id="{E3FA124C-9E08-1B4F-B180-07F1CF6931DC}" type="datetimeFigureOut">
               <a:rPr lang="en-US" smtClean="0"/>
-              <a:t>3/16/25</a:t>
+              <a:t>3/22/2025</a:t>
             </a:fld>
             <a:endParaRPr lang="en-US"/>
           </a:p>
@@ -1317,7 +1323,7 @@
           <a:p>
             <a:fld id="{E3FA124C-9E08-1B4F-B180-07F1CF6931DC}" type="datetimeFigureOut">
               <a:rPr lang="en-US" smtClean="0"/>
-              <a:t>3/16/25</a:t>
+              <a:t>3/22/2025</a:t>
             </a:fld>
             <a:endParaRPr lang="en-US"/>
           </a:p>
@@ -1593,7 +1599,7 @@
           <a:p>
             <a:fld id="{E3FA124C-9E08-1B4F-B180-07F1CF6931DC}" type="datetimeFigureOut">
               <a:rPr lang="en-US" smtClean="0"/>
-              <a:t>3/16/25</a:t>
+              <a:t>3/22/2025</a:t>
             </a:fld>
             <a:endParaRPr lang="en-US"/>
           </a:p>
@@ -1861,7 +1867,7 @@
           <a:p>
             <a:fld id="{E3FA124C-9E08-1B4F-B180-07F1CF6931DC}" type="datetimeFigureOut">
               <a:rPr lang="en-US" smtClean="0"/>
-              <a:t>3/16/25</a:t>
+              <a:t>3/22/2025</a:t>
             </a:fld>
             <a:endParaRPr lang="en-US"/>
           </a:p>
@@ -2276,7 +2282,7 @@
           <a:p>
             <a:fld id="{E3FA124C-9E08-1B4F-B180-07F1CF6931DC}" type="datetimeFigureOut">
               <a:rPr lang="en-US" smtClean="0"/>
-              <a:t>3/16/25</a:t>
+              <a:t>3/22/2025</a:t>
             </a:fld>
             <a:endParaRPr lang="en-US"/>
           </a:p>
@@ -2418,7 +2424,7 @@
           <a:p>
             <a:fld id="{E3FA124C-9E08-1B4F-B180-07F1CF6931DC}" type="datetimeFigureOut">
               <a:rPr lang="en-US" smtClean="0"/>
-              <a:t>3/16/25</a:t>
+              <a:t>3/22/2025</a:t>
             </a:fld>
             <a:endParaRPr lang="en-US"/>
           </a:p>
@@ -2531,7 +2537,7 @@
           <a:p>
             <a:fld id="{E3FA124C-9E08-1B4F-B180-07F1CF6931DC}" type="datetimeFigureOut">
               <a:rPr lang="en-US" smtClean="0"/>
-              <a:t>3/16/25</a:t>
+              <a:t>3/22/2025</a:t>
             </a:fld>
             <a:endParaRPr lang="en-US"/>
           </a:p>
@@ -2844,7 +2850,7 @@
           <a:p>
             <a:fld id="{E3FA124C-9E08-1B4F-B180-07F1CF6931DC}" type="datetimeFigureOut">
               <a:rPr lang="en-US" smtClean="0"/>
-              <a:t>3/16/25</a:t>
+              <a:t>3/22/2025</a:t>
             </a:fld>
             <a:endParaRPr lang="en-US"/>
           </a:p>
@@ -3133,7 +3139,7 @@
           <a:p>
             <a:fld id="{E3FA124C-9E08-1B4F-B180-07F1CF6931DC}" type="datetimeFigureOut">
               <a:rPr lang="en-US" smtClean="0"/>
-              <a:t>3/16/25</a:t>
+              <a:t>3/22/2025</a:t>
             </a:fld>
             <a:endParaRPr lang="en-US"/>
           </a:p>
@@ -3376,7 +3382,7 @@
           <a:p>
             <a:fld id="{E3FA124C-9E08-1B4F-B180-07F1CF6931DC}" type="datetimeFigureOut">
               <a:rPr lang="en-US" smtClean="0"/>
-              <a:t>3/16/25</a:t>
+              <a:t>3/22/2025</a:t>
             </a:fld>
             <a:endParaRPr lang="en-US"/>
           </a:p>
@@ -3881,6 +3887,152 @@
           <p:cNvPr id="2" name="Title 1">
             <a:extLst>
               <a:ext uri="{FF2B5EF4-FFF2-40B4-BE49-F238E27FC236}">
+                <a16:creationId xmlns:a16="http://schemas.microsoft.com/office/drawing/2014/main" id="{C3D46282-F127-80F5-D9AA-C3450B289CAE}"/>
+              </a:ext>
+            </a:extLst>
+          </p:cNvPr>
+          <p:cNvSpPr>
+            <a:spLocks noGrp="1"/>
+          </p:cNvSpPr>
+          <p:nvPr>
+            <p:ph type="title"/>
+          </p:nvPr>
+        </p:nvSpPr>
+        <p:spPr/>
+        <p:txBody>
+          <a:bodyPr>
+            <a:normAutofit fontScale="90000"/>
+          </a:bodyPr>
+          <a:lstStyle/>
+          <a:p>
+            <a:r>
+              <a:rPr lang="en-US" dirty="0"/>
+              <a:t>ADALM-Pluto Detail Specifications</a:t>
+            </a:r>
+            <a:br>
+              <a:rPr lang="en-US" dirty="0"/>
+            </a:br>
+            <a:r>
+              <a:rPr lang="en-US" dirty="0"/>
+              <a:t>https://</a:t>
+            </a:r>
+            <a:r>
+              <a:rPr lang="en-US" dirty="0" err="1"/>
+              <a:t>wiki.analog.com</a:t>
+            </a:r>
+            <a:r>
+              <a:rPr lang="en-US" dirty="0"/>
+              <a:t>/university/tools/</a:t>
+            </a:r>
+            <a:r>
+              <a:rPr lang="en-US" dirty="0" err="1"/>
+              <a:t>pluto</a:t>
+            </a:r>
+            <a:r>
+              <a:rPr lang="en-US" dirty="0"/>
+              <a:t>/</a:t>
+            </a:r>
+            <a:r>
+              <a:rPr lang="en-US" dirty="0" err="1"/>
+              <a:t>devs</a:t>
+            </a:r>
+            <a:r>
+              <a:rPr lang="en-US" dirty="0"/>
+              <a:t>/specs</a:t>
+            </a:r>
+          </a:p>
+        </p:txBody>
+      </p:sp>
+      <p:sp>
+        <p:nvSpPr>
+          <p:cNvPr id="3" name="Content Placeholder 2">
+            <a:extLst>
+              <a:ext uri="{FF2B5EF4-FFF2-40B4-BE49-F238E27FC236}">
+                <a16:creationId xmlns:a16="http://schemas.microsoft.com/office/drawing/2014/main" id="{5D478962-125C-6069-FC99-DA90B4231A15}"/>
+              </a:ext>
+            </a:extLst>
+          </p:cNvPr>
+          <p:cNvSpPr>
+            <a:spLocks noGrp="1"/>
+          </p:cNvSpPr>
+          <p:nvPr>
+            <p:ph idx="1"/>
+          </p:nvPr>
+        </p:nvSpPr>
+        <p:spPr/>
+        <p:txBody>
+          <a:bodyPr/>
+          <a:lstStyle/>
+          <a:p>
+            <a:endParaRPr lang="en-US" dirty="0"/>
+          </a:p>
+        </p:txBody>
+      </p:sp>
+      <p:pic>
+        <p:nvPicPr>
+          <p:cNvPr id="4" name="Picture 3">
+            <a:extLst>
+              <a:ext uri="{FF2B5EF4-FFF2-40B4-BE49-F238E27FC236}">
+                <a16:creationId xmlns:a16="http://schemas.microsoft.com/office/drawing/2014/main" id="{02DCD7A1-E427-5400-B8CC-6984E3175483}"/>
+              </a:ext>
+            </a:extLst>
+          </p:cNvPr>
+          <p:cNvPicPr>
+            <a:picLocks noChangeAspect="1"/>
+          </p:cNvPicPr>
+          <p:nvPr/>
+        </p:nvPicPr>
+        <p:blipFill>
+          <a:blip r:embed="rId2"/>
+          <a:stretch>
+            <a:fillRect/>
+          </a:stretch>
+        </p:blipFill>
+        <p:spPr>
+          <a:xfrm>
+            <a:off x="440784" y="2025684"/>
+            <a:ext cx="10913016" cy="3026764"/>
+          </a:xfrm>
+          <a:prstGeom prst="rect">
+            <a:avLst/>
+          </a:prstGeom>
+        </p:spPr>
+      </p:pic>
+    </p:spTree>
+    <p:extLst>
+      <p:ext uri="{BB962C8B-B14F-4D97-AF65-F5344CB8AC3E}">
+        <p14:creationId xmlns:p14="http://schemas.microsoft.com/office/powerpoint/2010/main" val="3744240048"/>
+      </p:ext>
+    </p:extLst>
+  </p:cSld>
+  <p:clrMapOvr>
+    <a:masterClrMapping/>
+  </p:clrMapOvr>
+</p:sld>
+</file>
+
+<file path=ppt/slides/slide11.xml><?xml version="1.0" encoding="utf-8"?>
+<p:sld xmlns:a="http://schemas.openxmlformats.org/drawingml/2006/main" xmlns:r="http://schemas.openxmlformats.org/officeDocument/2006/relationships" xmlns:p="http://schemas.openxmlformats.org/presentationml/2006/main">
+  <p:cSld>
+    <p:spTree>
+      <p:nvGrpSpPr>
+        <p:cNvPr id="1" name=""/>
+        <p:cNvGrpSpPr/>
+        <p:nvPr/>
+      </p:nvGrpSpPr>
+      <p:grpSpPr>
+        <a:xfrm>
+          <a:off x="0" y="0"/>
+          <a:ext cx="0" cy="0"/>
+          <a:chOff x="0" y="0"/>
+          <a:chExt cx="0" cy="0"/>
+        </a:xfrm>
+      </p:grpSpPr>
+      <p:sp>
+        <p:nvSpPr>
+          <p:cNvPr id="2" name="Title 1">
+            <a:extLst>
+              <a:ext uri="{FF2B5EF4-FFF2-40B4-BE49-F238E27FC236}">
                 <a16:creationId xmlns:a16="http://schemas.microsoft.com/office/drawing/2014/main" id="{3ED8DF02-553A-3E94-8F0D-1D50F643E2AB}"/>
               </a:ext>
             </a:extLst>
@@ -4407,7 +4559,7 @@
 </p:sld>
 </file>
 
-<file path=ppt/slides/slide11.xml><?xml version="1.0" encoding="utf-8"?>
+<file path=ppt/slides/slide12.xml><?xml version="1.0" encoding="utf-8"?>
 <p:sld xmlns:a="http://schemas.openxmlformats.org/drawingml/2006/main" xmlns:r="http://schemas.openxmlformats.org/officeDocument/2006/relationships" xmlns:p="http://schemas.openxmlformats.org/presentationml/2006/main">
   <p:cSld>
     <p:spTree>
@@ -4514,7 +4666,7 @@
 </p:sld>
 </file>
 
-<file path=ppt/slides/slide12.xml><?xml version="1.0" encoding="utf-8"?>
+<file path=ppt/slides/slide13.xml><?xml version="1.0" encoding="utf-8"?>
 <p:sld xmlns:a="http://schemas.openxmlformats.org/drawingml/2006/main" xmlns:r="http://schemas.openxmlformats.org/officeDocument/2006/relationships" xmlns:p="http://schemas.openxmlformats.org/presentationml/2006/main">
   <p:cSld>
     <p:spTree>
@@ -5836,7 +5988,7 @@
 </p:sld>
 </file>
 
-<file path=ppt/slides/slide13.xml><?xml version="1.0" encoding="utf-8"?>
+<file path=ppt/slides/slide14.xml><?xml version="1.0" encoding="utf-8"?>
 <p:sld xmlns:a="http://schemas.openxmlformats.org/drawingml/2006/main" xmlns:r="http://schemas.openxmlformats.org/officeDocument/2006/relationships" xmlns:p="http://schemas.openxmlformats.org/presentationml/2006/main">
   <p:cSld>
     <p:spTree>
@@ -7389,7 +7541,7 @@
 </p:sld>
 </file>
 
-<file path=ppt/slides/slide14.xml><?xml version="1.0" encoding="utf-8"?>
+<file path=ppt/slides/slide15.xml><?xml version="1.0" encoding="utf-8"?>
 <p:sld xmlns:a="http://schemas.openxmlformats.org/drawingml/2006/main" xmlns:r="http://schemas.openxmlformats.org/officeDocument/2006/relationships" xmlns:p="http://schemas.openxmlformats.org/presentationml/2006/main">
   <p:cSld>
     <p:spTree>
@@ -7955,7 +8107,7 @@
 </p:sld>
 </file>
 
-<file path=ppt/slides/slide15.xml><?xml version="1.0" encoding="utf-8"?>
+<file path=ppt/slides/slide16.xml><?xml version="1.0" encoding="utf-8"?>
 <p:sld xmlns:a="http://schemas.openxmlformats.org/drawingml/2006/main" xmlns:r="http://schemas.openxmlformats.org/officeDocument/2006/relationships" xmlns:p="http://schemas.openxmlformats.org/presentationml/2006/main">
   <p:cSld>
     <p:spTree>
@@ -10757,8 +10909,8 @@
           </a:p>
         </p:txBody>
       </p:sp>
-      <mc:AlternateContent xmlns:mc="http://schemas.openxmlformats.org/markup-compatibility/2006">
-        <mc:Choice xmlns:a14="http://schemas.microsoft.com/office/drawing/2010/main" Requires="a14">
+      <mc:AlternateContent xmlns:mc="http://schemas.openxmlformats.org/markup-compatibility/2006" xmlns:a14="http://schemas.microsoft.com/office/drawing/2010/main">
+        <mc:Choice Requires="a14">
           <p:sp>
             <p:nvSpPr>
               <p:cNvPr id="103" name="TextBox 102">
@@ -10787,6 +10939,7 @@
               </a:bodyPr>
               <a:lstStyle/>
               <a:p>
+                <a:pPr/>
                 <a14:m>
                   <m:oMathPara xmlns:m="http://schemas.openxmlformats.org/officeDocument/2006/math">
                     <m:oMathParaPr>
@@ -11051,7 +11204,7 @@
             </p:txBody>
           </p:sp>
         </mc:Choice>
-        <mc:Fallback>
+        <mc:Fallback xmlns="">
           <p:sp>
             <p:nvSpPr>
               <p:cNvPr id="103" name="TextBox 102">
@@ -11096,8 +11249,8 @@
           </p:sp>
         </mc:Fallback>
       </mc:AlternateContent>
-      <mc:AlternateContent xmlns:mc="http://schemas.openxmlformats.org/markup-compatibility/2006">
-        <mc:Choice xmlns:a14="http://schemas.microsoft.com/office/drawing/2010/main" Requires="a14">
+      <mc:AlternateContent xmlns:mc="http://schemas.openxmlformats.org/markup-compatibility/2006" xmlns:a14="http://schemas.microsoft.com/office/drawing/2010/main">
+        <mc:Choice Requires="a14">
           <p:sp>
             <p:nvSpPr>
               <p:cNvPr id="106" name="TextBox 105">
@@ -11212,6 +11365,7 @@
                 <a:endParaRPr lang="en-US" sz="1200" dirty="0"/>
               </a:p>
               <a:p>
+                <a:pPr/>
                 <a14:m>
                   <m:oMathPara xmlns:m="http://schemas.openxmlformats.org/officeDocument/2006/math">
                     <m:oMathParaPr>
@@ -11738,7 +11892,7 @@
             </p:txBody>
           </p:sp>
         </mc:Choice>
-        <mc:Fallback>
+        <mc:Fallback xmlns="">
           <p:sp>
             <p:nvSpPr>
               <p:cNvPr id="106" name="TextBox 105">
@@ -11783,8 +11937,8 @@
           </p:sp>
         </mc:Fallback>
       </mc:AlternateContent>
-      <mc:AlternateContent xmlns:mc="http://schemas.openxmlformats.org/markup-compatibility/2006">
-        <mc:Choice xmlns:a14="http://schemas.microsoft.com/office/drawing/2010/main" Requires="a14">
+      <mc:AlternateContent xmlns:mc="http://schemas.openxmlformats.org/markup-compatibility/2006" xmlns:a14="http://schemas.microsoft.com/office/drawing/2010/main">
+        <mc:Choice Requires="a14">
           <p:sp>
             <p:nvSpPr>
               <p:cNvPr id="108" name="TextBox 107">
@@ -12070,17 +12224,7 @@
                                   <a:latin typeface="Cambria Math" panose="02040503050406030204" pitchFamily="18" charset="0"/>
                                   <a:ea typeface="Cambria Math" panose="02040503050406030204" pitchFamily="18" charset="0"/>
                                 </a:rPr>
-                                <m:t>)</m:t>
-                              </m:r>
-                              <m:r>
-                                <a:rPr lang="en-US" b="0" i="1" smtClean="0">
-                                  <a:solidFill>
-                                    <a:schemeClr val="accent2"/>
-                                  </a:solidFill>
-                                  <a:latin typeface="Cambria Math" panose="02040503050406030204" pitchFamily="18" charset="0"/>
-                                  <a:ea typeface="Cambria Math" panose="02040503050406030204" pitchFamily="18" charset="0"/>
-                                </a:rPr>
-                                <m:t>+</m:t>
+                                <m:t>)+</m:t>
                               </m:r>
                               <m:r>
                                 <a:rPr lang="en-US" b="0" i="1" smtClean="0">
@@ -12212,7 +12356,7 @@
             </p:txBody>
           </p:sp>
         </mc:Choice>
-        <mc:Fallback>
+        <mc:Fallback xmlns="">
           <p:sp>
             <p:nvSpPr>
               <p:cNvPr id="108" name="TextBox 107">
@@ -12257,8 +12401,8 @@
           </p:sp>
         </mc:Fallback>
       </mc:AlternateContent>
-      <mc:AlternateContent xmlns:mc="http://schemas.openxmlformats.org/markup-compatibility/2006">
-        <mc:Choice xmlns:a14="http://schemas.microsoft.com/office/drawing/2010/main" Requires="a14">
+      <mc:AlternateContent xmlns:mc="http://schemas.openxmlformats.org/markup-compatibility/2006" xmlns:a14="http://schemas.microsoft.com/office/drawing/2010/main">
+        <mc:Choice Requires="a14">
           <p:sp>
             <p:nvSpPr>
               <p:cNvPr id="109" name="TextBox 108">
@@ -13570,7 +13714,7 @@
             </p:txBody>
           </p:sp>
         </mc:Choice>
-        <mc:Fallback>
+        <mc:Fallback xmlns="">
           <p:sp>
             <p:nvSpPr>
               <p:cNvPr id="109" name="TextBox 108">
@@ -14065,7 +14209,7 @@
           <p:cNvPr id="2" name="Title 1">
             <a:extLst>
               <a:ext uri="{FF2B5EF4-FFF2-40B4-BE49-F238E27FC236}">
-                <a16:creationId xmlns:a16="http://schemas.microsoft.com/office/drawing/2014/main" id="{C3D46282-F127-80F5-D9AA-C3450B289CAE}"/>
+                <a16:creationId xmlns:a16="http://schemas.microsoft.com/office/drawing/2014/main" id="{A5BDF42F-A8BE-7898-0547-A362AD74017D}"/>
               </a:ext>
             </a:extLst>
           </p:cNvPr>
@@ -14078,46 +14222,10 @@
         </p:nvSpPr>
         <p:spPr/>
         <p:txBody>
-          <a:bodyPr>
-            <a:normAutofit fontScale="90000"/>
-          </a:bodyPr>
+          <a:bodyPr/>
           <a:lstStyle/>
           <a:p>
-            <a:r>
-              <a:rPr lang="en-US" dirty="0"/>
-              <a:t>ADALM-Pluto Detail Specifications</a:t>
-            </a:r>
-            <a:br>
-              <a:rPr lang="en-US" dirty="0"/>
-            </a:br>
-            <a:r>
-              <a:rPr lang="en-US" dirty="0"/>
-              <a:t>https://</a:t>
-            </a:r>
-            <a:r>
-              <a:rPr lang="en-US" dirty="0" err="1"/>
-              <a:t>wiki.analog.com</a:t>
-            </a:r>
-            <a:r>
-              <a:rPr lang="en-US" dirty="0"/>
-              <a:t>/university/tools/</a:t>
-            </a:r>
-            <a:r>
-              <a:rPr lang="en-US" dirty="0" err="1"/>
-              <a:t>pluto</a:t>
-            </a:r>
-            <a:r>
-              <a:rPr lang="en-US" dirty="0"/>
-              <a:t>/</a:t>
-            </a:r>
-            <a:r>
-              <a:rPr lang="en-US" dirty="0" err="1"/>
-              <a:t>devs</a:t>
-            </a:r>
-            <a:r>
-              <a:rPr lang="en-US" dirty="0"/>
-              <a:t>/specs</a:t>
-            </a:r>
+            <a:endParaRPr lang="en-SG"/>
           </a:p>
         </p:txBody>
       </p:sp>
@@ -14126,7 +14234,7 @@
           <p:cNvPr id="3" name="Content Placeholder 2">
             <a:extLst>
               <a:ext uri="{FF2B5EF4-FFF2-40B4-BE49-F238E27FC236}">
-                <a16:creationId xmlns:a16="http://schemas.microsoft.com/office/drawing/2014/main" id="{5D478962-125C-6069-FC99-DA90B4231A15}"/>
+                <a16:creationId xmlns:a16="http://schemas.microsoft.com/office/drawing/2014/main" id="{C42E4994-15E9-6624-8D37-43CF60F9932F}"/>
               </a:ext>
             </a:extLst>
           </p:cNvPr>
@@ -14142,16 +14250,16 @@
           <a:bodyPr/>
           <a:lstStyle/>
           <a:p>
-            <a:endParaRPr lang="en-US" dirty="0"/>
+            <a:endParaRPr lang="en-SG"/>
           </a:p>
         </p:txBody>
       </p:sp>
       <p:pic>
         <p:nvPicPr>
-          <p:cNvPr id="4" name="Picture 3">
-            <a:extLst>
-              <a:ext uri="{FF2B5EF4-FFF2-40B4-BE49-F238E27FC236}">
-                <a16:creationId xmlns:a16="http://schemas.microsoft.com/office/drawing/2014/main" id="{02DCD7A1-E427-5400-B8CC-6984E3175483}"/>
+          <p:cNvPr id="5" name="Picture 4">
+            <a:extLst>
+              <a:ext uri="{FF2B5EF4-FFF2-40B4-BE49-F238E27FC236}">
+                <a16:creationId xmlns:a16="http://schemas.microsoft.com/office/drawing/2014/main" id="{09E7FC33-DFD6-A6F6-7C4C-775A4C88212A}"/>
               </a:ext>
             </a:extLst>
           </p:cNvPr>
@@ -14168,8 +14276,38 @@
         </p:blipFill>
         <p:spPr>
           <a:xfrm>
-            <a:off x="440784" y="2025684"/>
-            <a:ext cx="10913016" cy="3026764"/>
+            <a:off x="8257730" y="4215008"/>
+            <a:ext cx="3555412" cy="2210844"/>
+          </a:xfrm>
+          <a:prstGeom prst="rect">
+            <a:avLst/>
+          </a:prstGeom>
+        </p:spPr>
+      </p:pic>
+      <p:pic>
+        <p:nvPicPr>
+          <p:cNvPr id="7" name="Picture 6">
+            <a:extLst>
+              <a:ext uri="{FF2B5EF4-FFF2-40B4-BE49-F238E27FC236}">
+                <a16:creationId xmlns:a16="http://schemas.microsoft.com/office/drawing/2014/main" id="{617EA644-499D-6C0E-871C-79E1E82DDA52}"/>
+              </a:ext>
+            </a:extLst>
+          </p:cNvPr>
+          <p:cNvPicPr>
+            <a:picLocks noChangeAspect="1"/>
+          </p:cNvPicPr>
+          <p:nvPr/>
+        </p:nvPicPr>
+        <p:blipFill>
+          <a:blip r:embed="rId3"/>
+          <a:stretch>
+            <a:fillRect/>
+          </a:stretch>
+        </p:blipFill>
+        <p:spPr>
+          <a:xfrm>
+            <a:off x="1105476" y="2635918"/>
+            <a:ext cx="5657590" cy="2964026"/>
           </a:xfrm>
           <a:prstGeom prst="rect">
             <a:avLst/>
@@ -14179,7 +14317,7 @@
     </p:spTree>
     <p:extLst>
       <p:ext uri="{BB962C8B-B14F-4D97-AF65-F5344CB8AC3E}">
-        <p14:creationId xmlns:p14="http://schemas.microsoft.com/office/powerpoint/2010/main" val="3744240048"/>
+        <p14:creationId xmlns:p14="http://schemas.microsoft.com/office/powerpoint/2010/main" val="1959195009"/>
       </p:ext>
     </p:extLst>
   </p:cSld>

--- a/docs/fmcw_signal_flow.pptx
+++ b/docs/fmcw_signal_flow.pptx
@@ -212,7 +212,7 @@
           <a:p>
             <a:fld id="{8D7C5BED-D2C8-4649-A543-DA9B6F2DC68D}" type="datetimeFigureOut">
               <a:rPr lang="en-US" smtClean="0"/>
-              <a:t>3/22/2025</a:t>
+              <a:t>3/23/25</a:t>
             </a:fld>
             <a:endParaRPr lang="en-US"/>
           </a:p>
@@ -713,7 +713,7 @@
           <a:p>
             <a:fld id="{E3FA124C-9E08-1B4F-B180-07F1CF6931DC}" type="datetimeFigureOut">
               <a:rPr lang="en-US" smtClean="0"/>
-              <a:t>3/22/2025</a:t>
+              <a:t>3/23/25</a:t>
             </a:fld>
             <a:endParaRPr lang="en-US"/>
           </a:p>
@@ -913,7 +913,7 @@
           <a:p>
             <a:fld id="{E3FA124C-9E08-1B4F-B180-07F1CF6931DC}" type="datetimeFigureOut">
               <a:rPr lang="en-US" smtClean="0"/>
-              <a:t>3/22/2025</a:t>
+              <a:t>3/23/25</a:t>
             </a:fld>
             <a:endParaRPr lang="en-US"/>
           </a:p>
@@ -1123,7 +1123,7 @@
           <a:p>
             <a:fld id="{E3FA124C-9E08-1B4F-B180-07F1CF6931DC}" type="datetimeFigureOut">
               <a:rPr lang="en-US" smtClean="0"/>
-              <a:t>3/22/2025</a:t>
+              <a:t>3/23/25</a:t>
             </a:fld>
             <a:endParaRPr lang="en-US"/>
           </a:p>
@@ -1323,7 +1323,7 @@
           <a:p>
             <a:fld id="{E3FA124C-9E08-1B4F-B180-07F1CF6931DC}" type="datetimeFigureOut">
               <a:rPr lang="en-US" smtClean="0"/>
-              <a:t>3/22/2025</a:t>
+              <a:t>3/23/25</a:t>
             </a:fld>
             <a:endParaRPr lang="en-US"/>
           </a:p>
@@ -1599,7 +1599,7 @@
           <a:p>
             <a:fld id="{E3FA124C-9E08-1B4F-B180-07F1CF6931DC}" type="datetimeFigureOut">
               <a:rPr lang="en-US" smtClean="0"/>
-              <a:t>3/22/2025</a:t>
+              <a:t>3/23/25</a:t>
             </a:fld>
             <a:endParaRPr lang="en-US"/>
           </a:p>
@@ -1867,7 +1867,7 @@
           <a:p>
             <a:fld id="{E3FA124C-9E08-1B4F-B180-07F1CF6931DC}" type="datetimeFigureOut">
               <a:rPr lang="en-US" smtClean="0"/>
-              <a:t>3/22/2025</a:t>
+              <a:t>3/23/25</a:t>
             </a:fld>
             <a:endParaRPr lang="en-US"/>
           </a:p>
@@ -2282,7 +2282,7 @@
           <a:p>
             <a:fld id="{E3FA124C-9E08-1B4F-B180-07F1CF6931DC}" type="datetimeFigureOut">
               <a:rPr lang="en-US" smtClean="0"/>
-              <a:t>3/22/2025</a:t>
+              <a:t>3/23/25</a:t>
             </a:fld>
             <a:endParaRPr lang="en-US"/>
           </a:p>
@@ -2424,7 +2424,7 @@
           <a:p>
             <a:fld id="{E3FA124C-9E08-1B4F-B180-07F1CF6931DC}" type="datetimeFigureOut">
               <a:rPr lang="en-US" smtClean="0"/>
-              <a:t>3/22/2025</a:t>
+              <a:t>3/23/25</a:t>
             </a:fld>
             <a:endParaRPr lang="en-US"/>
           </a:p>
@@ -2537,7 +2537,7 @@
           <a:p>
             <a:fld id="{E3FA124C-9E08-1B4F-B180-07F1CF6931DC}" type="datetimeFigureOut">
               <a:rPr lang="en-US" smtClean="0"/>
-              <a:t>3/22/2025</a:t>
+              <a:t>3/23/25</a:t>
             </a:fld>
             <a:endParaRPr lang="en-US"/>
           </a:p>
@@ -2850,7 +2850,7 @@
           <a:p>
             <a:fld id="{E3FA124C-9E08-1B4F-B180-07F1CF6931DC}" type="datetimeFigureOut">
               <a:rPr lang="en-US" smtClean="0"/>
-              <a:t>3/22/2025</a:t>
+              <a:t>3/23/25</a:t>
             </a:fld>
             <a:endParaRPr lang="en-US"/>
           </a:p>
@@ -3139,7 +3139,7 @@
           <a:p>
             <a:fld id="{E3FA124C-9E08-1B4F-B180-07F1CF6931DC}" type="datetimeFigureOut">
               <a:rPr lang="en-US" smtClean="0"/>
-              <a:t>3/22/2025</a:t>
+              <a:t>3/23/25</a:t>
             </a:fld>
             <a:endParaRPr lang="en-US"/>
           </a:p>
@@ -3382,7 +3382,7 @@
           <a:p>
             <a:fld id="{E3FA124C-9E08-1B4F-B180-07F1CF6931DC}" type="datetimeFigureOut">
               <a:rPr lang="en-US" smtClean="0"/>
-              <a:t>3/22/2025</a:t>
+              <a:t>3/23/25</a:t>
             </a:fld>
             <a:endParaRPr lang="en-US"/>
           </a:p>
@@ -3848,7 +3848,7 @@
           <a:bodyPr/>
           <a:lstStyle/>
           <a:p>
-            <a:endParaRPr lang="en-US"/>
+            <a:endParaRPr lang="en-US" dirty="0"/>
           </a:p>
         </p:txBody>
       </p:sp>
